--- a/Spider.pptx
+++ b/Spider.pptx
@@ -111,6 +111,11 @@
       </a:defRPr>
     </a:lvl9pPr>
   </p:defaultTextStyle>
+  <p:extLst>
+    <p:ext uri="{EFAFB233-063F-42B5-8137-9DF3F51BA10A}">
+      <p15:sldGuideLst xmlns:p15="http://schemas.microsoft.com/office/powerpoint/2012/main"/>
+    </p:ext>
+  </p:extLst>
 </p:presentation>
 </file>
 
@@ -7589,7 +7594,9 @@
         </p:nvSpPr>
         <p:spPr/>
         <p:txBody>
-          <a:bodyPr/>
+          <a:bodyPr>
+            <a:normAutofit fontScale="92500" lnSpcReduction="20000"/>
+          </a:bodyPr>
           <a:lstStyle/>
           <a:p>
             <a:pPr>
@@ -7622,6 +7629,17 @@
             <a:r>
               <a:rPr lang="en-US" dirty="0"/>
               <a:t>More content than just streaming videos for entertainment</a:t>
+            </a:r>
+          </a:p>
+          <a:p>
+            <a:pPr>
+              <a:lnSpc>
+                <a:spcPct val="200000"/>
+              </a:lnSpc>
+            </a:pPr>
+            <a:r>
+              <a:rPr lang="en-US" dirty="0"/>
+              <a:t>Implement Elasticsearch for faster searches</a:t>
             </a:r>
           </a:p>
           <a:p>

--- a/Spider.pptx
+++ b/Spider.pptx
@@ -7,12 +7,13 @@
   <p:sldIdLst>
     <p:sldId id="256" r:id="rId2"/>
     <p:sldId id="262" r:id="rId3"/>
-    <p:sldId id="257" r:id="rId4"/>
-    <p:sldId id="258" r:id="rId5"/>
-    <p:sldId id="259" r:id="rId6"/>
-    <p:sldId id="261" r:id="rId7"/>
-    <p:sldId id="260" r:id="rId8"/>
-    <p:sldId id="263" r:id="rId9"/>
+    <p:sldId id="264" r:id="rId4"/>
+    <p:sldId id="257" r:id="rId5"/>
+    <p:sldId id="258" r:id="rId6"/>
+    <p:sldId id="259" r:id="rId7"/>
+    <p:sldId id="261" r:id="rId8"/>
+    <p:sldId id="260" r:id="rId9"/>
+    <p:sldId id="263" r:id="rId10"/>
   </p:sldIdLst>
   <p:sldSz cx="12192000" cy="6858000"/>
   <p:notesSz cx="6858000" cy="9144000"/>
@@ -5890,7 +5891,7 @@
           <a:p>
             <a:r>
               <a:rPr lang="en-US" dirty="0"/>
-              <a:t>Goal</a:t>
+              <a:t>Goal and Why?</a:t>
             </a:r>
           </a:p>
         </p:txBody>
@@ -6009,6 +6010,141 @@
           <p:cNvPr id="2" name="Title 1">
             <a:extLst>
               <a:ext uri="{FF2B5EF4-FFF2-40B4-BE49-F238E27FC236}">
+                <a16:creationId xmlns:a16="http://schemas.microsoft.com/office/drawing/2014/main" id="{E36D9394-C730-DDE7-BACE-8FBF029930E6}"/>
+              </a:ext>
+            </a:extLst>
+          </p:cNvPr>
+          <p:cNvSpPr>
+            <a:spLocks noGrp="1"/>
+          </p:cNvSpPr>
+          <p:nvPr>
+            <p:ph type="title"/>
+          </p:nvPr>
+        </p:nvSpPr>
+        <p:spPr/>
+        <p:txBody>
+          <a:bodyPr/>
+          <a:lstStyle/>
+          <a:p>
+            <a:r>
+              <a:rPr lang="en-US" dirty="0"/>
+              <a:t>Flow</a:t>
+            </a:r>
+          </a:p>
+        </p:txBody>
+      </p:sp>
+      <p:sp>
+        <p:nvSpPr>
+          <p:cNvPr id="3" name="Content Placeholder 2">
+            <a:extLst>
+              <a:ext uri="{FF2B5EF4-FFF2-40B4-BE49-F238E27FC236}">
+                <a16:creationId xmlns:a16="http://schemas.microsoft.com/office/drawing/2014/main" id="{42832DBC-00C7-379F-870A-5870CCF41DB8}"/>
+              </a:ext>
+            </a:extLst>
+          </p:cNvPr>
+          <p:cNvSpPr>
+            <a:spLocks noGrp="1"/>
+          </p:cNvSpPr>
+          <p:nvPr>
+            <p:ph idx="1"/>
+          </p:nvPr>
+        </p:nvSpPr>
+        <p:spPr/>
+        <p:txBody>
+          <a:bodyPr/>
+          <a:lstStyle/>
+          <a:p>
+            <a:pPr>
+              <a:lnSpc>
+                <a:spcPct val="200000"/>
+              </a:lnSpc>
+            </a:pPr>
+            <a:r>
+              <a:rPr lang="en-US" dirty="0"/>
+              <a:t>Register/Login</a:t>
+            </a:r>
+          </a:p>
+          <a:p>
+            <a:pPr>
+              <a:lnSpc>
+                <a:spcPct val="200000"/>
+              </a:lnSpc>
+            </a:pPr>
+            <a:r>
+              <a:rPr lang="en-US" dirty="0"/>
+              <a:t>Add Payment/Update Account</a:t>
+            </a:r>
+          </a:p>
+          <a:p>
+            <a:pPr>
+              <a:lnSpc>
+                <a:spcPct val="200000"/>
+              </a:lnSpc>
+            </a:pPr>
+            <a:r>
+              <a:rPr lang="en-US" dirty="0"/>
+              <a:t>Book bus and grab reward points</a:t>
+            </a:r>
+          </a:p>
+          <a:p>
+            <a:pPr>
+              <a:lnSpc>
+                <a:spcPct val="200000"/>
+              </a:lnSpc>
+            </a:pPr>
+            <a:r>
+              <a:rPr lang="en-US" dirty="0"/>
+              <a:t>Refund if needed</a:t>
+            </a:r>
+          </a:p>
+          <a:p>
+            <a:pPr>
+              <a:lnSpc>
+                <a:spcPct val="200000"/>
+              </a:lnSpc>
+            </a:pPr>
+            <a:r>
+              <a:rPr lang="en-US" dirty="0"/>
+              <a:t>Stream entertainment on trip</a:t>
+            </a:r>
+          </a:p>
+        </p:txBody>
+      </p:sp>
+    </p:spTree>
+    <p:extLst>
+      <p:ext uri="{BB962C8B-B14F-4D97-AF65-F5344CB8AC3E}">
+        <p14:creationId xmlns:p14="http://schemas.microsoft.com/office/powerpoint/2010/main" val="3058961917"/>
+      </p:ext>
+    </p:extLst>
+  </p:cSld>
+  <p:clrMapOvr>
+    <a:masterClrMapping/>
+  </p:clrMapOvr>
+</p:sld>
+</file>
+
+<file path=ppt/slides/slide4.xml><?xml version="1.0" encoding="utf-8"?>
+<p:sld xmlns:a="http://schemas.openxmlformats.org/drawingml/2006/main" xmlns:r="http://schemas.openxmlformats.org/officeDocument/2006/relationships" xmlns:p="http://schemas.openxmlformats.org/presentationml/2006/main">
+  <p:cSld>
+    <p:spTree>
+      <p:nvGrpSpPr>
+        <p:cNvPr id="1" name=""/>
+        <p:cNvGrpSpPr/>
+        <p:nvPr/>
+      </p:nvGrpSpPr>
+      <p:grpSpPr>
+        <a:xfrm>
+          <a:off x="0" y="0"/>
+          <a:ext cx="0" cy="0"/>
+          <a:chOff x="0" y="0"/>
+          <a:chExt cx="0" cy="0"/>
+        </a:xfrm>
+      </p:grpSpPr>
+      <p:sp>
+        <p:nvSpPr>
+          <p:cNvPr id="2" name="Title 1">
+            <a:extLst>
+              <a:ext uri="{FF2B5EF4-FFF2-40B4-BE49-F238E27FC236}">
                 <a16:creationId xmlns:a16="http://schemas.microsoft.com/office/drawing/2014/main" id="{622EFF01-BC75-F5F2-87AD-7AD0825E0872}"/>
               </a:ext>
             </a:extLst>
@@ -6085,7 +6221,7 @@
 </p:sld>
 </file>
 
-<file path=ppt/slides/slide4.xml><?xml version="1.0" encoding="utf-8"?>
+<file path=ppt/slides/slide5.xml><?xml version="1.0" encoding="utf-8"?>
 <p:sld xmlns:a="http://schemas.openxmlformats.org/drawingml/2006/main" xmlns:r="http://schemas.openxmlformats.org/officeDocument/2006/relationships" xmlns:p="http://schemas.openxmlformats.org/presentationml/2006/main">
   <p:cSld>
     <p:spTree>
@@ -6782,7 +6918,7 @@
 </p:sld>
 </file>
 
-<file path=ppt/slides/slide5.xml><?xml version="1.0" encoding="utf-8"?>
+<file path=ppt/slides/slide6.xml><?xml version="1.0" encoding="utf-8"?>
 <p:sld xmlns:a="http://schemas.openxmlformats.org/drawingml/2006/main" xmlns:r="http://schemas.openxmlformats.org/officeDocument/2006/relationships" xmlns:p="http://schemas.openxmlformats.org/presentationml/2006/main">
   <p:cSld>
     <p:spTree>
@@ -7418,119 +7554,6 @@
 </p:sld>
 </file>
 
-<file path=ppt/slides/slide6.xml><?xml version="1.0" encoding="utf-8"?>
-<p:sld xmlns:a="http://schemas.openxmlformats.org/drawingml/2006/main" xmlns:r="http://schemas.openxmlformats.org/officeDocument/2006/relationships" xmlns:p="http://schemas.openxmlformats.org/presentationml/2006/main">
-  <p:cSld>
-    <p:spTree>
-      <p:nvGrpSpPr>
-        <p:cNvPr id="1" name=""/>
-        <p:cNvGrpSpPr/>
-        <p:nvPr/>
-      </p:nvGrpSpPr>
-      <p:grpSpPr>
-        <a:xfrm>
-          <a:off x="0" y="0"/>
-          <a:ext cx="0" cy="0"/>
-          <a:chOff x="0" y="0"/>
-          <a:chExt cx="0" cy="0"/>
-        </a:xfrm>
-      </p:grpSpPr>
-      <p:sp>
-        <p:nvSpPr>
-          <p:cNvPr id="2" name="Title 1">
-            <a:extLst>
-              <a:ext uri="{FF2B5EF4-FFF2-40B4-BE49-F238E27FC236}">
-                <a16:creationId xmlns:a16="http://schemas.microsoft.com/office/drawing/2014/main" id="{6EDDF79D-EDAA-5FEF-3D2B-D6C40773683E}"/>
-              </a:ext>
-            </a:extLst>
-          </p:cNvPr>
-          <p:cNvSpPr>
-            <a:spLocks noGrp="1"/>
-          </p:cNvSpPr>
-          <p:nvPr>
-            <p:ph type="title"/>
-          </p:nvPr>
-        </p:nvSpPr>
-        <p:spPr/>
-        <p:txBody>
-          <a:bodyPr/>
-          <a:lstStyle/>
-          <a:p>
-            <a:r>
-              <a:rPr lang="en-US" dirty="0"/>
-              <a:t>Results</a:t>
-            </a:r>
-          </a:p>
-        </p:txBody>
-      </p:sp>
-      <p:sp>
-        <p:nvSpPr>
-          <p:cNvPr id="3" name="Content Placeholder 2">
-            <a:extLst>
-              <a:ext uri="{FF2B5EF4-FFF2-40B4-BE49-F238E27FC236}">
-                <a16:creationId xmlns:a16="http://schemas.microsoft.com/office/drawing/2014/main" id="{E7BCC6ED-E012-8A6D-0299-35A606D78C76}"/>
-              </a:ext>
-            </a:extLst>
-          </p:cNvPr>
-          <p:cNvSpPr>
-            <a:spLocks noGrp="1"/>
-          </p:cNvSpPr>
-          <p:nvPr>
-            <p:ph idx="1"/>
-          </p:nvPr>
-        </p:nvSpPr>
-        <p:spPr/>
-        <p:txBody>
-          <a:bodyPr/>
-          <a:lstStyle/>
-          <a:p>
-            <a:pPr>
-              <a:lnSpc>
-                <a:spcPct val="300000"/>
-              </a:lnSpc>
-            </a:pPr>
-            <a:r>
-              <a:rPr lang="en-US" dirty="0"/>
-              <a:t>Successful booking and refunding of trips</a:t>
-            </a:r>
-          </a:p>
-          <a:p>
-            <a:pPr>
-              <a:lnSpc>
-                <a:spcPct val="300000"/>
-              </a:lnSpc>
-            </a:pPr>
-            <a:r>
-              <a:rPr lang="en-US" dirty="0"/>
-              <a:t>Successful streaming on entertainment content</a:t>
-            </a:r>
-          </a:p>
-          <a:p>
-            <a:pPr>
-              <a:lnSpc>
-                <a:spcPct val="300000"/>
-              </a:lnSpc>
-            </a:pPr>
-            <a:r>
-              <a:rPr lang="en-US" dirty="0"/>
-              <a:t>Successful registration, profile updates, and payment updates</a:t>
-            </a:r>
-          </a:p>
-        </p:txBody>
-      </p:sp>
-    </p:spTree>
-    <p:extLst>
-      <p:ext uri="{BB962C8B-B14F-4D97-AF65-F5344CB8AC3E}">
-        <p14:creationId xmlns:p14="http://schemas.microsoft.com/office/powerpoint/2010/main" val="946670613"/>
-      </p:ext>
-    </p:extLst>
-  </p:cSld>
-  <p:clrMapOvr>
-    <a:masterClrMapping/>
-  </p:clrMapOvr>
-</p:sld>
-</file>
-
 <file path=ppt/slides/slide7.xml><?xml version="1.0" encoding="utf-8"?>
 <p:sld xmlns:a="http://schemas.openxmlformats.org/drawingml/2006/main" xmlns:r="http://schemas.openxmlformats.org/officeDocument/2006/relationships" xmlns:p="http://schemas.openxmlformats.org/presentationml/2006/main">
   <p:cSld>
@@ -7553,6 +7576,119 @@
           <p:cNvPr id="2" name="Title 1">
             <a:extLst>
               <a:ext uri="{FF2B5EF4-FFF2-40B4-BE49-F238E27FC236}">
+                <a16:creationId xmlns:a16="http://schemas.microsoft.com/office/drawing/2014/main" id="{6EDDF79D-EDAA-5FEF-3D2B-D6C40773683E}"/>
+              </a:ext>
+            </a:extLst>
+          </p:cNvPr>
+          <p:cNvSpPr>
+            <a:spLocks noGrp="1"/>
+          </p:cNvSpPr>
+          <p:nvPr>
+            <p:ph type="title"/>
+          </p:nvPr>
+        </p:nvSpPr>
+        <p:spPr/>
+        <p:txBody>
+          <a:bodyPr/>
+          <a:lstStyle/>
+          <a:p>
+            <a:r>
+              <a:rPr lang="en-US" dirty="0"/>
+              <a:t>Results</a:t>
+            </a:r>
+          </a:p>
+        </p:txBody>
+      </p:sp>
+      <p:sp>
+        <p:nvSpPr>
+          <p:cNvPr id="3" name="Content Placeholder 2">
+            <a:extLst>
+              <a:ext uri="{FF2B5EF4-FFF2-40B4-BE49-F238E27FC236}">
+                <a16:creationId xmlns:a16="http://schemas.microsoft.com/office/drawing/2014/main" id="{E7BCC6ED-E012-8A6D-0299-35A606D78C76}"/>
+              </a:ext>
+            </a:extLst>
+          </p:cNvPr>
+          <p:cNvSpPr>
+            <a:spLocks noGrp="1"/>
+          </p:cNvSpPr>
+          <p:nvPr>
+            <p:ph idx="1"/>
+          </p:nvPr>
+        </p:nvSpPr>
+        <p:spPr/>
+        <p:txBody>
+          <a:bodyPr/>
+          <a:lstStyle/>
+          <a:p>
+            <a:pPr>
+              <a:lnSpc>
+                <a:spcPct val="300000"/>
+              </a:lnSpc>
+            </a:pPr>
+            <a:r>
+              <a:rPr lang="en-US" dirty="0"/>
+              <a:t>Successful booking and refunding of trips</a:t>
+            </a:r>
+          </a:p>
+          <a:p>
+            <a:pPr>
+              <a:lnSpc>
+                <a:spcPct val="300000"/>
+              </a:lnSpc>
+            </a:pPr>
+            <a:r>
+              <a:rPr lang="en-US" dirty="0"/>
+              <a:t>Successful streaming on entertainment content</a:t>
+            </a:r>
+          </a:p>
+          <a:p>
+            <a:pPr>
+              <a:lnSpc>
+                <a:spcPct val="300000"/>
+              </a:lnSpc>
+            </a:pPr>
+            <a:r>
+              <a:rPr lang="en-US" dirty="0"/>
+              <a:t>Successful registration, profile updates, and payment updates</a:t>
+            </a:r>
+          </a:p>
+        </p:txBody>
+      </p:sp>
+    </p:spTree>
+    <p:extLst>
+      <p:ext uri="{BB962C8B-B14F-4D97-AF65-F5344CB8AC3E}">
+        <p14:creationId xmlns:p14="http://schemas.microsoft.com/office/powerpoint/2010/main" val="946670613"/>
+      </p:ext>
+    </p:extLst>
+  </p:cSld>
+  <p:clrMapOvr>
+    <a:masterClrMapping/>
+  </p:clrMapOvr>
+</p:sld>
+</file>
+
+<file path=ppt/slides/slide8.xml><?xml version="1.0" encoding="utf-8"?>
+<p:sld xmlns:a="http://schemas.openxmlformats.org/drawingml/2006/main" xmlns:r="http://schemas.openxmlformats.org/officeDocument/2006/relationships" xmlns:p="http://schemas.openxmlformats.org/presentationml/2006/main">
+  <p:cSld>
+    <p:spTree>
+      <p:nvGrpSpPr>
+        <p:cNvPr id="1" name=""/>
+        <p:cNvGrpSpPr/>
+        <p:nvPr/>
+      </p:nvGrpSpPr>
+      <p:grpSpPr>
+        <a:xfrm>
+          <a:off x="0" y="0"/>
+          <a:ext cx="0" cy="0"/>
+          <a:chOff x="0" y="0"/>
+          <a:chExt cx="0" cy="0"/>
+        </a:xfrm>
+      </p:grpSpPr>
+      <p:sp>
+        <p:nvSpPr>
+          <p:cNvPr id="2" name="Title 1">
+            <a:extLst>
+              <a:ext uri="{FF2B5EF4-FFF2-40B4-BE49-F238E27FC236}">
                 <a16:creationId xmlns:a16="http://schemas.microsoft.com/office/drawing/2014/main" id="{1FA1BC1B-8158-44DE-0990-502F2D57C3C2}"/>
               </a:ext>
             </a:extLst>
@@ -7679,7 +7815,7 @@
 </p:sld>
 </file>
 
-<file path=ppt/slides/slide8.xml><?xml version="1.0" encoding="utf-8"?>
+<file path=ppt/slides/slide9.xml><?xml version="1.0" encoding="utf-8"?>
 <p:sld xmlns:a="http://schemas.openxmlformats.org/drawingml/2006/main" xmlns:r="http://schemas.openxmlformats.org/officeDocument/2006/relationships" xmlns:p="http://schemas.openxmlformats.org/presentationml/2006/main">
   <p:cSld>
     <p:spTree>
